--- a/2024.3.26调研报告/Modernizing Old Fortran调研报告.pptx
+++ b/2024.3.26调研报告/Modernizing Old Fortran调研报告.pptx
@@ -209,7 +209,7 @@
           <a:p>
             <a:fld id="{A0BBE83B-3260-4115-9B7C-30169C1C4BAD}" type="datetimeFigureOut">
               <a:rPr lang="zh-CN" altLang="en-US" smtClean="0"/>
-              <a:t>2024/3/25</a:t>
+              <a:t>2024/3/26</a:t>
             </a:fld>
             <a:endParaRPr lang="zh-CN" altLang="en-US"/>
           </a:p>
@@ -4483,10 +4483,10 @@
       </p:sp>
       <p:pic>
         <p:nvPicPr>
-          <p:cNvPr id="6" name="图片 5">
+          <p:cNvPr id="5" name="图片 4">
             <a:extLst>
               <a:ext uri="{FF2B5EF4-FFF2-40B4-BE49-F238E27FC236}">
-                <a16:creationId xmlns:a16="http://schemas.microsoft.com/office/drawing/2014/main" id="{E23DDEEC-BE69-4C1A-AFFE-C06EADE3D288}"/>
+                <a16:creationId xmlns:a16="http://schemas.microsoft.com/office/drawing/2014/main" id="{6D0F406D-45D8-40B4-155A-82872F10E1E3}"/>
               </a:ext>
             </a:extLst>
           </p:cNvPr>
@@ -4503,8 +4503,8 @@
         </p:blipFill>
         <p:spPr>
           <a:xfrm>
-            <a:off x="1379970" y="1914821"/>
-            <a:ext cx="3948664" cy="4056499"/>
+            <a:off x="2157199" y="1549109"/>
+            <a:ext cx="3875538" cy="4569600"/>
           </a:xfrm>
           <a:prstGeom prst="rect">
             <a:avLst/>
@@ -4513,10 +4513,10 @@
       </p:pic>
       <p:pic>
         <p:nvPicPr>
-          <p:cNvPr id="12" name="图片 11">
+          <p:cNvPr id="14" name="图片 13">
             <a:extLst>
               <a:ext uri="{FF2B5EF4-FFF2-40B4-BE49-F238E27FC236}">
-                <a16:creationId xmlns:a16="http://schemas.microsoft.com/office/drawing/2014/main" id="{9E93BBF5-1182-2FC2-8BA2-7DFEB2261261}"/>
+                <a16:creationId xmlns:a16="http://schemas.microsoft.com/office/drawing/2014/main" id="{4206BCD8-0AE6-61E2-7967-799FF87D9E26}"/>
               </a:ext>
             </a:extLst>
           </p:cNvPr>
@@ -4533,8 +4533,8 @@
         </p:blipFill>
         <p:spPr>
           <a:xfrm>
-            <a:off x="6679609" y="1914820"/>
-            <a:ext cx="4520646" cy="4056500"/>
+            <a:off x="6839659" y="1549109"/>
+            <a:ext cx="3886295" cy="4569600"/>
           </a:xfrm>
           <a:prstGeom prst="rect">
             <a:avLst/>
@@ -6166,9 +6166,9 @@
         <p:grpSpPr>
           <a:xfrm>
             <a:off x="2622479" y="1523673"/>
-            <a:ext cx="6703834" cy="4183280"/>
+            <a:ext cx="6703834" cy="3813948"/>
             <a:chOff x="1079888" y="2445057"/>
-            <a:chExt cx="4134804" cy="4183280"/>
+            <a:chExt cx="4134804" cy="3813948"/>
           </a:xfrm>
         </p:grpSpPr>
         <p:sp>
@@ -6244,7 +6244,7 @@
           <p:spPr>
             <a:xfrm>
               <a:off x="1079888" y="2886159"/>
-              <a:ext cx="4134804" cy="3742178"/>
+              <a:ext cx="4134804" cy="3372846"/>
             </a:xfrm>
             <a:prstGeom prst="rect">
               <a:avLst/>
@@ -6356,11 +6356,16 @@
               </a:r>
               <a:r>
                 <a:rPr lang="zh-CN" altLang="en-US" sz="1600"/>
+                <a:t>语句或者</a:t>
+              </a:r>
+              <a:r>
+                <a:rPr lang="en-US" altLang="zh-CN" sz="1600"/>
+                <a:t>do while</a:t>
+              </a:r>
+              <a:r>
+                <a:rPr lang="zh-CN" altLang="en-US" sz="1600"/>
                 <a:t>语句无法生成</a:t>
               </a:r>
-              <a:br>
-                <a:rPr lang="zh-CN" altLang="en-US" sz="1600"/>
-              </a:br>
               <a:endParaRPr lang="en-US" altLang="zh-CN" sz="1600"/>
             </a:p>
             <a:p>
@@ -8216,7 +8221,30 @@
                   <a:effectLst/>
                   <a:latin typeface="Courier New" panose="02070309020205020404" pitchFamily="49" charset="0"/>
                 </a:rPr>
-                <a:t>需要程序的可运行性。</a:t>
+                <a:t>首先</a:t>
+              </a:r>
+              <a:r>
+                <a:rPr lang="zh-CN" altLang="en-US" sz="1600">
+                  <a:latin typeface="Courier New" panose="02070309020205020404" pitchFamily="49" charset="0"/>
+                </a:rPr>
+                <a:t>确认需求，我们应该在什么环境下达成什么样的效果，</a:t>
+              </a:r>
+              <a:endParaRPr lang="en-US" altLang="zh-CN" sz="1600">
+                <a:latin typeface="Courier New" panose="02070309020205020404" pitchFamily="49" charset="0"/>
+              </a:endParaRPr>
+            </a:p>
+            <a:p>
+              <a:pPr>
+                <a:lnSpc>
+                  <a:spcPct val="150000"/>
+                </a:lnSpc>
+              </a:pPr>
+              <a:r>
+                <a:rPr lang="zh-CN" altLang="en-US" sz="1600" b="0" i="0">
+                  <a:effectLst/>
+                  <a:latin typeface="Courier New" panose="02070309020205020404" pitchFamily="49" charset="0"/>
+                </a:rPr>
+                <a:t>然后生成程序并保证程序的可运行性，</a:t>
               </a:r>
               <a:endParaRPr lang="en-US" altLang="zh-CN" sz="1600" b="0" i="0">
                 <a:effectLst/>
@@ -8230,10 +8258,14 @@
                 </a:lnSpc>
               </a:pPr>
               <a:r>
+                <a:rPr lang="zh-CN" altLang="en-US" sz="1600"/>
+                <a:t>最后</a:t>
+              </a:r>
+              <a:r>
                 <a:rPr lang="zh-CN" altLang="en-US" sz="1600">
                   <a:latin typeface="Courier New" panose="02070309020205020404" pitchFamily="49" charset="0"/>
                 </a:rPr>
-                <a:t>需要保证</a:t>
+                <a:t>需要</a:t>
               </a:r>
               <a:r>
                 <a:rPr lang="zh-CN" altLang="en-US" sz="1600" b="0" i="0">
@@ -8254,24 +8286,8 @@
                 </a:lnSpc>
               </a:pPr>
               <a:r>
-                <a:rPr lang="zh-CN" altLang="en-US" sz="1600">
-                  <a:latin typeface="Courier New" panose="02070309020205020404" pitchFamily="49" charset="0"/>
-                </a:rPr>
-                <a:t>需要确认甲方的要求。</a:t>
-              </a:r>
-              <a:endParaRPr lang="en-US" altLang="zh-CN" sz="1600">
-                <a:latin typeface="Courier New" panose="02070309020205020404" pitchFamily="49" charset="0"/>
-              </a:endParaRPr>
-            </a:p>
-            <a:p>
-              <a:pPr>
-                <a:lnSpc>
-                  <a:spcPct val="150000"/>
-                </a:lnSpc>
-              </a:pPr>
-              <a:r>
                 <a:rPr lang="zh-CN" altLang="en-US" sz="1600"/>
-                <a:t>使用</a:t>
+                <a:t>中间可以使用</a:t>
               </a:r>
               <a:r>
                 <a:rPr lang="en-US" altLang="zh-CN" sz="1600"/>
